--- a/Databse design1.pptx
+++ b/Databse design1.pptx
@@ -107,6 +107,11 @@
       </a:defRPr>
     </a:lvl9pPr>
   </p:defaultTextStyle>
+  <p:extLst>
+    <p:ext uri="{EFAFB233-063F-42B5-8137-9DF3F51BA10A}">
+      <p15:sldGuideLst xmlns:p15="http://schemas.microsoft.com/office/powerpoint/2012/main"/>
+    </p:ext>
+  </p:extLst>
 </p:presentation>
 </file>
 
@@ -259,7 +264,7 @@
           <a:p>
             <a:fld id="{B3B52C94-27F9-4D28-93F8-0EDB375F8D24}" type="datetimeFigureOut">
               <a:rPr lang="en-GB" smtClean="0"/>
-              <a:t>24/02/2020</a:t>
+              <a:t>02/03/2020</a:t>
             </a:fld>
             <a:endParaRPr lang="en-GB"/>
           </a:p>
@@ -459,7 +464,7 @@
           <a:p>
             <a:fld id="{B3B52C94-27F9-4D28-93F8-0EDB375F8D24}" type="datetimeFigureOut">
               <a:rPr lang="en-GB" smtClean="0"/>
-              <a:t>24/02/2020</a:t>
+              <a:t>02/03/2020</a:t>
             </a:fld>
             <a:endParaRPr lang="en-GB"/>
           </a:p>
@@ -669,7 +674,7 @@
           <a:p>
             <a:fld id="{B3B52C94-27F9-4D28-93F8-0EDB375F8D24}" type="datetimeFigureOut">
               <a:rPr lang="en-GB" smtClean="0"/>
-              <a:t>24/02/2020</a:t>
+              <a:t>02/03/2020</a:t>
             </a:fld>
             <a:endParaRPr lang="en-GB"/>
           </a:p>
@@ -869,7 +874,7 @@
           <a:p>
             <a:fld id="{B3B52C94-27F9-4D28-93F8-0EDB375F8D24}" type="datetimeFigureOut">
               <a:rPr lang="en-GB" smtClean="0"/>
-              <a:t>24/02/2020</a:t>
+              <a:t>02/03/2020</a:t>
             </a:fld>
             <a:endParaRPr lang="en-GB"/>
           </a:p>
@@ -1145,7 +1150,7 @@
           <a:p>
             <a:fld id="{B3B52C94-27F9-4D28-93F8-0EDB375F8D24}" type="datetimeFigureOut">
               <a:rPr lang="en-GB" smtClean="0"/>
-              <a:t>24/02/2020</a:t>
+              <a:t>02/03/2020</a:t>
             </a:fld>
             <a:endParaRPr lang="en-GB"/>
           </a:p>
@@ -1413,7 +1418,7 @@
           <a:p>
             <a:fld id="{B3B52C94-27F9-4D28-93F8-0EDB375F8D24}" type="datetimeFigureOut">
               <a:rPr lang="en-GB" smtClean="0"/>
-              <a:t>24/02/2020</a:t>
+              <a:t>02/03/2020</a:t>
             </a:fld>
             <a:endParaRPr lang="en-GB"/>
           </a:p>
@@ -1828,7 +1833,7 @@
           <a:p>
             <a:fld id="{B3B52C94-27F9-4D28-93F8-0EDB375F8D24}" type="datetimeFigureOut">
               <a:rPr lang="en-GB" smtClean="0"/>
-              <a:t>24/02/2020</a:t>
+              <a:t>02/03/2020</a:t>
             </a:fld>
             <a:endParaRPr lang="en-GB"/>
           </a:p>
@@ -1970,7 +1975,7 @@
           <a:p>
             <a:fld id="{B3B52C94-27F9-4D28-93F8-0EDB375F8D24}" type="datetimeFigureOut">
               <a:rPr lang="en-GB" smtClean="0"/>
-              <a:t>24/02/2020</a:t>
+              <a:t>02/03/2020</a:t>
             </a:fld>
             <a:endParaRPr lang="en-GB"/>
           </a:p>
@@ -2083,7 +2088,7 @@
           <a:p>
             <a:fld id="{B3B52C94-27F9-4D28-93F8-0EDB375F8D24}" type="datetimeFigureOut">
               <a:rPr lang="en-GB" smtClean="0"/>
-              <a:t>24/02/2020</a:t>
+              <a:t>02/03/2020</a:t>
             </a:fld>
             <a:endParaRPr lang="en-GB"/>
           </a:p>
@@ -2396,7 +2401,7 @@
           <a:p>
             <a:fld id="{B3B52C94-27F9-4D28-93F8-0EDB375F8D24}" type="datetimeFigureOut">
               <a:rPr lang="en-GB" smtClean="0"/>
-              <a:t>24/02/2020</a:t>
+              <a:t>02/03/2020</a:t>
             </a:fld>
             <a:endParaRPr lang="en-GB"/>
           </a:p>
@@ -2685,7 +2690,7 @@
           <a:p>
             <a:fld id="{B3B52C94-27F9-4D28-93F8-0EDB375F8D24}" type="datetimeFigureOut">
               <a:rPr lang="en-GB" smtClean="0"/>
-              <a:t>24/02/2020</a:t>
+              <a:t>02/03/2020</a:t>
             </a:fld>
             <a:endParaRPr lang="en-GB"/>
           </a:p>
@@ -2928,7 +2933,7 @@
           <a:p>
             <a:fld id="{B3B52C94-27F9-4D28-93F8-0EDB375F8D24}" type="datetimeFigureOut">
               <a:rPr lang="en-GB" smtClean="0"/>
-              <a:t>24/02/2020</a:t>
+              <a:t>02/03/2020</a:t>
             </a:fld>
             <a:endParaRPr lang="en-GB"/>
           </a:p>
@@ -5778,7 +5783,7 @@
         </p:nvSpPr>
         <p:spPr>
           <a:xfrm>
-            <a:off x="729917" y="2537246"/>
+            <a:off x="687808" y="2597402"/>
             <a:ext cx="1435766" cy="681789"/>
           </a:xfrm>
           <a:prstGeom prst="roundRect">
@@ -5825,8 +5830,8 @@
         </p:nvSpPr>
         <p:spPr>
           <a:xfrm>
-            <a:off x="505327" y="3219035"/>
-            <a:ext cx="1660356" cy="2585323"/>
+            <a:off x="723903" y="3018625"/>
+            <a:ext cx="1660356" cy="2308324"/>
           </a:xfrm>
           <a:prstGeom prst="rect">
             <a:avLst/>
@@ -5839,10 +5844,7 @@
           </a:bodyPr>
           <a:lstStyle/>
           <a:p>
-            <a:r>
-              <a:rPr lang="en-GB" dirty="0"/>
-              <a:t>Artist</a:t>
-            </a:r>
+            <a:endParaRPr lang="en-GB" dirty="0"/>
           </a:p>
           <a:p>
             <a:r>
@@ -5865,13 +5867,7 @@
           <a:p>
             <a:r>
               <a:rPr lang="en-GB" dirty="0"/>
-              <a:t>Buyer</a:t>
-            </a:r>
-          </a:p>
-          <a:p>
-            <a:r>
-              <a:rPr lang="en-GB" dirty="0"/>
-              <a:t>Seller</a:t>
+              <a:t>type</a:t>
             </a:r>
           </a:p>
           <a:p>
@@ -5959,7 +5955,7 @@
           <a:p>
             <a:r>
               <a:rPr lang="en-GB" dirty="0"/>
-              <a:t>Artists</a:t>
+              <a:t>stock</a:t>
             </a:r>
           </a:p>
           <a:p>
@@ -5990,82 +5986,6 @@
             <a:ext cx="1332789" cy="248652"/>
           </a:xfrm>
           <a:prstGeom prst="bentConnector3">
-            <a:avLst/>
-          </a:prstGeom>
-        </p:spPr>
-        <p:style>
-          <a:lnRef idx="1">
-            <a:schemeClr val="accent1"/>
-          </a:lnRef>
-          <a:fillRef idx="0">
-            <a:schemeClr val="accent1"/>
-          </a:fillRef>
-          <a:effectRef idx="0">
-            <a:schemeClr val="accent1"/>
-          </a:effectRef>
-          <a:fontRef idx="minor">
-            <a:schemeClr val="tx1"/>
-          </a:fontRef>
-        </p:style>
-      </p:cxnSp>
-      <p:cxnSp>
-        <p:nvCxnSpPr>
-          <p:cNvPr id="29" name="Connector: Elbow 28">
-            <a:extLst>
-              <a:ext uri="{FF2B5EF4-FFF2-40B4-BE49-F238E27FC236}">
-                <a16:creationId xmlns:a16="http://schemas.microsoft.com/office/drawing/2014/main" id="{B4FBF703-6A1E-4B57-9320-50E025BD15CF}"/>
-              </a:ext>
-            </a:extLst>
-          </p:cNvPr>
-          <p:cNvCxnSpPr>
-            <a:stCxn id="24" idx="1"/>
-          </p:cNvCxnSpPr>
-          <p:nvPr/>
-        </p:nvCxnSpPr>
-        <p:spPr>
-          <a:xfrm rot="10800000">
-            <a:off x="2165683" y="2703096"/>
-            <a:ext cx="1243265" cy="179055"/>
-          </a:xfrm>
-          <a:prstGeom prst="bentConnector3">
-            <a:avLst/>
-          </a:prstGeom>
-        </p:spPr>
-        <p:style>
-          <a:lnRef idx="1">
-            <a:schemeClr val="accent1"/>
-          </a:lnRef>
-          <a:fillRef idx="0">
-            <a:schemeClr val="accent1"/>
-          </a:fillRef>
-          <a:effectRef idx="0">
-            <a:schemeClr val="accent1"/>
-          </a:effectRef>
-          <a:fontRef idx="minor">
-            <a:schemeClr val="tx1"/>
-          </a:fontRef>
-        </p:style>
-      </p:cxnSp>
-      <p:cxnSp>
-        <p:nvCxnSpPr>
-          <p:cNvPr id="31" name="Connector: Elbow 30">
-            <a:extLst>
-              <a:ext uri="{FF2B5EF4-FFF2-40B4-BE49-F238E27FC236}">
-                <a16:creationId xmlns:a16="http://schemas.microsoft.com/office/drawing/2014/main" id="{8D77A6AC-9AF0-4CC8-A474-ABDC021ADAC2}"/>
-              </a:ext>
-            </a:extLst>
-          </p:cNvPr>
-          <p:cNvCxnSpPr>
-            <a:endCxn id="4" idx="1"/>
-          </p:cNvCxnSpPr>
-          <p:nvPr/>
-        </p:nvCxnSpPr>
-        <p:spPr>
-          <a:xfrm rot="5400000" flipH="1" flipV="1">
-            <a:off x="2856204" y="1599493"/>
-            <a:ext cx="1699045" cy="176463"/>
-          </a:xfrm>
-          <a:prstGeom prst="bentConnector2">
             <a:avLst/>
           </a:prstGeom>
         </p:spPr>
@@ -6124,152 +6044,6 @@
       </p:cxnSp>
       <p:cxnSp>
         <p:nvCxnSpPr>
-          <p:cNvPr id="36" name="Straight Connector 35">
-            <a:extLst>
-              <a:ext uri="{FF2B5EF4-FFF2-40B4-BE49-F238E27FC236}">
-                <a16:creationId xmlns:a16="http://schemas.microsoft.com/office/drawing/2014/main" id="{52C58502-0DE6-4527-A5F1-2B6377F7C619}"/>
-              </a:ext>
-            </a:extLst>
-          </p:cNvPr>
-          <p:cNvCxnSpPr/>
-          <p:nvPr/>
-        </p:nvCxnSpPr>
-        <p:spPr>
-          <a:xfrm flipV="1">
-            <a:off x="3617494" y="673768"/>
-            <a:ext cx="156411" cy="164432"/>
-          </a:xfrm>
-          <a:prstGeom prst="line">
-            <a:avLst/>
-          </a:prstGeom>
-        </p:spPr>
-        <p:style>
-          <a:lnRef idx="1">
-            <a:schemeClr val="accent1"/>
-          </a:lnRef>
-          <a:fillRef idx="0">
-            <a:schemeClr val="accent1"/>
-          </a:fillRef>
-          <a:effectRef idx="0">
-            <a:schemeClr val="accent1"/>
-          </a:effectRef>
-          <a:fontRef idx="minor">
-            <a:schemeClr val="tx1"/>
-          </a:fontRef>
-        </p:style>
-      </p:cxnSp>
-      <p:cxnSp>
-        <p:nvCxnSpPr>
-          <p:cNvPr id="38" name="Straight Connector 37">
-            <a:extLst>
-              <a:ext uri="{FF2B5EF4-FFF2-40B4-BE49-F238E27FC236}">
-                <a16:creationId xmlns:a16="http://schemas.microsoft.com/office/drawing/2014/main" id="{F3DF482C-9BC9-459D-A5AD-64A5B0CBEB99}"/>
-              </a:ext>
-            </a:extLst>
-          </p:cNvPr>
-          <p:cNvCxnSpPr/>
-          <p:nvPr/>
-        </p:nvCxnSpPr>
-        <p:spPr>
-          <a:xfrm>
-            <a:off x="3617494" y="836194"/>
-            <a:ext cx="198522" cy="222585"/>
-          </a:xfrm>
-          <a:prstGeom prst="line">
-            <a:avLst/>
-          </a:prstGeom>
-        </p:spPr>
-        <p:style>
-          <a:lnRef idx="1">
-            <a:schemeClr val="accent1"/>
-          </a:lnRef>
-          <a:fillRef idx="0">
-            <a:schemeClr val="accent1"/>
-          </a:fillRef>
-          <a:effectRef idx="0">
-            <a:schemeClr val="accent1"/>
-          </a:effectRef>
-          <a:fontRef idx="minor">
-            <a:schemeClr val="tx1"/>
-          </a:fontRef>
-        </p:style>
-      </p:cxnSp>
-      <p:cxnSp>
-        <p:nvCxnSpPr>
-          <p:cNvPr id="40" name="Straight Connector 39">
-            <a:extLst>
-              <a:ext uri="{FF2B5EF4-FFF2-40B4-BE49-F238E27FC236}">
-                <a16:creationId xmlns:a16="http://schemas.microsoft.com/office/drawing/2014/main" id="{3E14AE41-3834-4B86-B680-65BAEF0B2148}"/>
-              </a:ext>
-            </a:extLst>
-          </p:cNvPr>
-          <p:cNvCxnSpPr>
-            <a:endCxn id="22" idx="3"/>
-          </p:cNvCxnSpPr>
-          <p:nvPr/>
-        </p:nvCxnSpPr>
-        <p:spPr>
-          <a:xfrm flipH="1">
-            <a:off x="2165683" y="2703096"/>
-            <a:ext cx="176464" cy="175045"/>
-          </a:xfrm>
-          <a:prstGeom prst="line">
-            <a:avLst/>
-          </a:prstGeom>
-        </p:spPr>
-        <p:style>
-          <a:lnRef idx="1">
-            <a:schemeClr val="accent1"/>
-          </a:lnRef>
-          <a:fillRef idx="0">
-            <a:schemeClr val="accent1"/>
-          </a:fillRef>
-          <a:effectRef idx="0">
-            <a:schemeClr val="accent1"/>
-          </a:effectRef>
-          <a:fontRef idx="minor">
-            <a:schemeClr val="tx1"/>
-          </a:fontRef>
-        </p:style>
-      </p:cxnSp>
-      <p:cxnSp>
-        <p:nvCxnSpPr>
-          <p:cNvPr id="42" name="Straight Connector 41">
-            <a:extLst>
-              <a:ext uri="{FF2B5EF4-FFF2-40B4-BE49-F238E27FC236}">
-                <a16:creationId xmlns:a16="http://schemas.microsoft.com/office/drawing/2014/main" id="{C490451E-A21C-4DBE-8739-E485505A773D}"/>
-              </a:ext>
-            </a:extLst>
-          </p:cNvPr>
-          <p:cNvCxnSpPr/>
-          <p:nvPr/>
-        </p:nvCxnSpPr>
-        <p:spPr>
-          <a:xfrm flipH="1" flipV="1">
-            <a:off x="2165681" y="2630905"/>
-            <a:ext cx="208551" cy="72191"/>
-          </a:xfrm>
-          <a:prstGeom prst="line">
-            <a:avLst/>
-          </a:prstGeom>
-        </p:spPr>
-        <p:style>
-          <a:lnRef idx="1">
-            <a:schemeClr val="accent1"/>
-          </a:lnRef>
-          <a:fillRef idx="0">
-            <a:schemeClr val="accent1"/>
-          </a:fillRef>
-          <a:effectRef idx="0">
-            <a:schemeClr val="accent1"/>
-          </a:effectRef>
-          <a:fontRef idx="minor">
-            <a:schemeClr val="tx1"/>
-          </a:fontRef>
-        </p:style>
-      </p:cxnSp>
-      <p:cxnSp>
-        <p:nvCxnSpPr>
           <p:cNvPr id="44" name="Straight Connector 43">
             <a:extLst>
               <a:ext uri="{FF2B5EF4-FFF2-40B4-BE49-F238E27FC236}">
@@ -6394,6 +6168,121 @@
           <a:xfrm>
             <a:off x="6328610" y="1058779"/>
             <a:ext cx="240631" cy="84221"/>
+          </a:xfrm>
+          <a:prstGeom prst="line">
+            <a:avLst/>
+          </a:prstGeom>
+        </p:spPr>
+        <p:style>
+          <a:lnRef idx="1">
+            <a:schemeClr val="accent1"/>
+          </a:lnRef>
+          <a:fillRef idx="0">
+            <a:schemeClr val="accent1"/>
+          </a:fillRef>
+          <a:effectRef idx="0">
+            <a:schemeClr val="accent1"/>
+          </a:effectRef>
+          <a:fontRef idx="minor">
+            <a:schemeClr val="tx1"/>
+          </a:fontRef>
+        </p:style>
+      </p:cxnSp>
+      <p:cxnSp>
+        <p:nvCxnSpPr>
+          <p:cNvPr id="10" name="Connector: Elbow 9">
+            <a:extLst>
+              <a:ext uri="{FF2B5EF4-FFF2-40B4-BE49-F238E27FC236}">
+                <a16:creationId xmlns:a16="http://schemas.microsoft.com/office/drawing/2014/main" id="{2353CE29-8E59-49A0-9F59-C528DBB5E663}"/>
+              </a:ext>
+            </a:extLst>
+          </p:cNvPr>
+          <p:cNvCxnSpPr>
+            <a:cxnSpLocks/>
+          </p:cNvCxnSpPr>
+          <p:nvPr/>
+        </p:nvCxnSpPr>
+        <p:spPr>
+          <a:xfrm flipV="1">
+            <a:off x="2057397" y="1207484"/>
+            <a:ext cx="4539920" cy="1666644"/>
+          </a:xfrm>
+          <a:prstGeom prst="bentConnector3">
+            <a:avLst>
+              <a:gd name="adj1" fmla="val 17315"/>
+            </a:avLst>
+          </a:prstGeom>
+          <a:ln>
+            <a:tailEnd type="triangle"/>
+          </a:ln>
+        </p:spPr>
+        <p:style>
+          <a:lnRef idx="1">
+            <a:schemeClr val="accent1"/>
+          </a:lnRef>
+          <a:fillRef idx="0">
+            <a:schemeClr val="accent1"/>
+          </a:fillRef>
+          <a:effectRef idx="0">
+            <a:schemeClr val="accent1"/>
+          </a:effectRef>
+          <a:fontRef idx="minor">
+            <a:schemeClr val="tx1"/>
+          </a:fontRef>
+        </p:style>
+      </p:cxnSp>
+      <p:cxnSp>
+        <p:nvCxnSpPr>
+          <p:cNvPr id="26" name="Straight Connector 25">
+            <a:extLst>
+              <a:ext uri="{FF2B5EF4-FFF2-40B4-BE49-F238E27FC236}">
+                <a16:creationId xmlns:a16="http://schemas.microsoft.com/office/drawing/2014/main" id="{5E1D6574-A1A5-41DF-84E0-BE527B2AC5DC}"/>
+              </a:ext>
+            </a:extLst>
+          </p:cNvPr>
+          <p:cNvCxnSpPr/>
+          <p:nvPr/>
+        </p:nvCxnSpPr>
+        <p:spPr>
+          <a:xfrm flipH="1" flipV="1">
+            <a:off x="2205791" y="2747774"/>
+            <a:ext cx="132342" cy="134375"/>
+          </a:xfrm>
+          <a:prstGeom prst="line">
+            <a:avLst/>
+          </a:prstGeom>
+        </p:spPr>
+        <p:style>
+          <a:lnRef idx="1">
+            <a:schemeClr val="accent1"/>
+          </a:lnRef>
+          <a:fillRef idx="0">
+            <a:schemeClr val="accent1"/>
+          </a:fillRef>
+          <a:effectRef idx="0">
+            <a:schemeClr val="accent1"/>
+          </a:effectRef>
+          <a:fontRef idx="minor">
+            <a:schemeClr val="tx1"/>
+          </a:fontRef>
+        </p:style>
+      </p:cxnSp>
+      <p:cxnSp>
+        <p:nvCxnSpPr>
+          <p:cNvPr id="30" name="Straight Connector 29">
+            <a:extLst>
+              <a:ext uri="{FF2B5EF4-FFF2-40B4-BE49-F238E27FC236}">
+                <a16:creationId xmlns:a16="http://schemas.microsoft.com/office/drawing/2014/main" id="{095BEFA7-3261-4B61-B562-681D280E9B0A}"/>
+              </a:ext>
+            </a:extLst>
+          </p:cNvPr>
+          <p:cNvCxnSpPr/>
+          <p:nvPr/>
+        </p:nvCxnSpPr>
+        <p:spPr>
+          <a:xfrm flipH="1">
+            <a:off x="2177718" y="2902517"/>
+            <a:ext cx="144372" cy="133731"/>
           </a:xfrm>
           <a:prstGeom prst="line">
             <a:avLst/>
